--- a/server/doc/Flow.pptx
+++ b/server/doc/Flow.pptx
@@ -1476,7 +1476,7 @@
           <a:p>
             <a:fld id="{5990BDE2-A69E-024A-8926-D6EBCE8E548B}" type="datetimeFigureOut">
               <a:rPr kumimoji="1" lang="ja-JP" altLang="en-US" smtClean="0"/>
-              <a:t>2019/5/10</a:t>
+              <a:t>2019/6/18</a:t>
             </a:fld>
             <a:endParaRPr kumimoji="1" lang="ja-JP" altLang="en-US"/>
           </a:p>
@@ -1703,7 +1703,7 @@
           <a:p>
             <a:fld id="{5990BDE2-A69E-024A-8926-D6EBCE8E548B}" type="datetimeFigureOut">
               <a:rPr kumimoji="1" lang="ja-JP" altLang="en-US" smtClean="0"/>
-              <a:t>2019/5/10</a:t>
+              <a:t>2019/6/18</a:t>
             </a:fld>
             <a:endParaRPr kumimoji="1" lang="ja-JP" altLang="en-US"/>
           </a:p>
@@ -1920,7 +1920,7 @@
           <a:p>
             <a:fld id="{5990BDE2-A69E-024A-8926-D6EBCE8E548B}" type="datetimeFigureOut">
               <a:rPr kumimoji="1" lang="ja-JP" altLang="en-US" smtClean="0"/>
-              <a:t>2019/5/10</a:t>
+              <a:t>2019/6/18</a:t>
             </a:fld>
             <a:endParaRPr kumimoji="1" lang="ja-JP" altLang="en-US"/>
           </a:p>
@@ -2188,7 +2188,7 @@
           <a:p>
             <a:fld id="{5990BDE2-A69E-024A-8926-D6EBCE8E548B}" type="datetimeFigureOut">
               <a:rPr kumimoji="1" lang="ja-JP" altLang="en-US" smtClean="0"/>
-              <a:t>2019/5/10</a:t>
+              <a:t>2019/6/18</a:t>
             </a:fld>
             <a:endParaRPr kumimoji="1" lang="ja-JP" altLang="en-US"/>
           </a:p>
@@ -2479,7 +2479,7 @@
           <a:p>
             <a:fld id="{5990BDE2-A69E-024A-8926-D6EBCE8E548B}" type="datetimeFigureOut">
               <a:rPr kumimoji="1" lang="ja-JP" altLang="en-US" smtClean="0"/>
-              <a:t>2019/5/10</a:t>
+              <a:t>2019/6/18</a:t>
             </a:fld>
             <a:endParaRPr kumimoji="1" lang="ja-JP" altLang="en-US"/>
           </a:p>
@@ -2987,7 +2987,7 @@
           <a:p>
             <a:fld id="{5990BDE2-A69E-024A-8926-D6EBCE8E548B}" type="datetimeFigureOut">
               <a:rPr kumimoji="1" lang="ja-JP" altLang="en-US" smtClean="0"/>
-              <a:t>2019/5/10</a:t>
+              <a:t>2019/6/18</a:t>
             </a:fld>
             <a:endParaRPr kumimoji="1" lang="ja-JP" altLang="en-US"/>
           </a:p>
@@ -3140,7 +3140,7 @@
           <a:p>
             <a:fld id="{5990BDE2-A69E-024A-8926-D6EBCE8E548B}" type="datetimeFigureOut">
               <a:rPr kumimoji="1" lang="ja-JP" altLang="en-US" smtClean="0"/>
-              <a:t>2019/5/10</a:t>
+              <a:t>2019/6/18</a:t>
             </a:fld>
             <a:endParaRPr kumimoji="1" lang="ja-JP" altLang="en-US"/>
           </a:p>
@@ -3265,7 +3265,7 @@
           <a:p>
             <a:fld id="{5990BDE2-A69E-024A-8926-D6EBCE8E548B}" type="datetimeFigureOut">
               <a:rPr kumimoji="1" lang="ja-JP" altLang="en-US" smtClean="0"/>
-              <a:t>2019/5/10</a:t>
+              <a:t>2019/6/18</a:t>
             </a:fld>
             <a:endParaRPr kumimoji="1" lang="ja-JP" altLang="en-US"/>
           </a:p>
@@ -3630,7 +3630,7 @@
           <a:p>
             <a:fld id="{5990BDE2-A69E-024A-8926-D6EBCE8E548B}" type="datetimeFigureOut">
               <a:rPr kumimoji="1" lang="ja-JP" altLang="en-US" smtClean="0"/>
-              <a:t>2019/5/10</a:t>
+              <a:t>2019/6/18</a:t>
             </a:fld>
             <a:endParaRPr kumimoji="1" lang="ja-JP" altLang="en-US"/>
           </a:p>
@@ -3968,7 +3968,7 @@
           <a:p>
             <a:fld id="{5990BDE2-A69E-024A-8926-D6EBCE8E548B}" type="datetimeFigureOut">
               <a:rPr kumimoji="1" lang="ja-JP" altLang="en-US" smtClean="0"/>
-              <a:t>2019/5/10</a:t>
+              <a:t>2019/6/18</a:t>
             </a:fld>
             <a:endParaRPr kumimoji="1" lang="ja-JP" altLang="en-US"/>
           </a:p>
@@ -4481,7 +4481,7 @@
           <a:p>
             <a:fld id="{5990BDE2-A69E-024A-8926-D6EBCE8E548B}" type="datetimeFigureOut">
               <a:rPr kumimoji="1" lang="ja-JP" altLang="en-US" smtClean="0"/>
-              <a:t>2019/5/10</a:t>
+              <a:t>2019/6/18</a:t>
             </a:fld>
             <a:endParaRPr kumimoji="1" lang="ja-JP" altLang="en-US"/>
           </a:p>
@@ -5187,7 +5187,7 @@
         <p:spPr>
           <a:xfrm>
             <a:off x="474326" y="513257"/>
-            <a:ext cx="3139001" cy="286232"/>
+            <a:ext cx="2670924" cy="286232"/>
           </a:xfrm>
           <a:prstGeom prst="rect">
             <a:avLst/>
@@ -5222,23 +5222,7 @@
                   <a:schemeClr val="tx1"/>
                 </a:solidFill>
               </a:rPr>
-              <a:t>-terra/</a:t>
-            </a:r>
-            <a:r>
-              <a:rPr kumimoji="1" lang="en-US" altLang="ja-JP" sz="1400" dirty="0" err="1">
-                <a:solidFill>
-                  <a:schemeClr val="tx1"/>
-                </a:solidFill>
-              </a:rPr>
-              <a:t>AerCloud</a:t>
-            </a:r>
-            <a:r>
-              <a:rPr kumimoji="1" lang="en-US" altLang="ja-JP" sz="1400" dirty="0">
-                <a:solidFill>
-                  <a:schemeClr val="tx1"/>
-                </a:solidFill>
-              </a:rPr>
-              <a:t> provider)</a:t>
+              <a:t>-terra/Aer provider)</a:t>
             </a:r>
             <a:endParaRPr kumimoji="1" lang="ja-JP" altLang="en-US" sz="1400">
               <a:solidFill>
@@ -5262,8 +5246,8 @@
         </p:nvSpPr>
         <p:spPr>
           <a:xfrm>
-            <a:off x="7851584" y="513257"/>
-            <a:ext cx="1454181" cy="286232"/>
+            <a:off x="8093825" y="502733"/>
+            <a:ext cx="712054" cy="286232"/>
           </a:xfrm>
           <a:prstGeom prst="rect">
             <a:avLst/>
@@ -5282,7 +5266,7 @@
                   <a:schemeClr val="tx1"/>
                 </a:solidFill>
               </a:rPr>
-              <a:t>Server (Worker)</a:t>
+              <a:t>Server</a:t>
             </a:r>
             <a:endParaRPr kumimoji="1" lang="ja-JP" altLang="en-US" sz="1400">
               <a:solidFill>
@@ -7020,7 +7004,6 @@
             <a:tailEnd type="none" w="med" len="med"/>
           </a:ln>
           <a:effectLst/>
-          <a:extLst/>
         </p:spPr>
         <p:txBody>
           <a:bodyPr vert="horz" wrap="square" lIns="91440" tIns="45720" rIns="91440" bIns="45720" numCol="1" rtlCol="0" anchor="t" anchorCtr="0" compatLnSpc="1">
